--- a/받은자료/1일차 CSS.pptx
+++ b/받은자료/1일차 CSS.pptx
@@ -238,7 +238,7 @@
           <a:p>
             <a:fld id="{DCBD77C6-F2B3-4510-9CC9-89FD691C6D7E}" type="datetimeFigureOut">
               <a:rPr lang="ko-KR" altLang="en-US" smtClean="0"/>
-              <a:t>2023-02-16</a:t>
+              <a:t>2023-02-17</a:t>
             </a:fld>
             <a:endParaRPr lang="ko-KR" altLang="en-US"/>
           </a:p>
@@ -2778,7 +2778,7 @@
             <a:fld id="{B61BEF0D-F0BB-DE4B-95CE-6DB70DBA9567}" type="datetimeFigureOut">
               <a:rPr lang="en-US" dirty="0"/>
               <a:pPr/>
-              <a:t>2/16/2023</a:t>
+              <a:t>2/17/2023</a:t>
             </a:fld>
             <a:endParaRPr lang="en-US" dirty="0"/>
           </a:p>
@@ -3113,7 +3113,7 @@
             <a:fld id="{B61BEF0D-F0BB-DE4B-95CE-6DB70DBA9567}" type="datetimeFigureOut">
               <a:rPr lang="en-US" dirty="0"/>
               <a:pPr/>
-              <a:t>2/16/2023</a:t>
+              <a:t>2/17/2023</a:t>
             </a:fld>
             <a:endParaRPr lang="en-US" dirty="0"/>
           </a:p>
@@ -3511,7 +3511,7 @@
             <a:fld id="{B61BEF0D-F0BB-DE4B-95CE-6DB70DBA9567}" type="datetimeFigureOut">
               <a:rPr lang="en-US" dirty="0"/>
               <a:pPr/>
-              <a:t>2/16/2023</a:t>
+              <a:t>2/17/2023</a:t>
             </a:fld>
             <a:endParaRPr lang="en-US" dirty="0"/>
           </a:p>
@@ -3848,7 +3848,7 @@
             <a:fld id="{B61BEF0D-F0BB-DE4B-95CE-6DB70DBA9567}" type="datetimeFigureOut">
               <a:rPr lang="en-US" dirty="0"/>
               <a:pPr/>
-              <a:t>2/16/2023</a:t>
+              <a:t>2/17/2023</a:t>
             </a:fld>
             <a:endParaRPr lang="en-US" dirty="0"/>
           </a:p>
@@ -4165,7 +4165,7 @@
             <a:fld id="{B61BEF0D-F0BB-DE4B-95CE-6DB70DBA9567}" type="datetimeFigureOut">
               <a:rPr lang="en-US" dirty="0"/>
               <a:pPr/>
-              <a:t>2/16/2023</a:t>
+              <a:t>2/17/2023</a:t>
             </a:fld>
             <a:endParaRPr lang="en-US" dirty="0"/>
           </a:p>
@@ -4558,7 +4558,7 @@
             <a:fld id="{B61BEF0D-F0BB-DE4B-95CE-6DB70DBA9567}" type="datetimeFigureOut">
               <a:rPr lang="en-US" dirty="0"/>
               <a:pPr/>
-              <a:t>2/16/2023</a:t>
+              <a:t>2/17/2023</a:t>
             </a:fld>
             <a:endParaRPr lang="en-US" dirty="0"/>
           </a:p>
@@ -4812,7 +4812,7 @@
             <a:fld id="{B61BEF0D-F0BB-DE4B-95CE-6DB70DBA9567}" type="datetimeFigureOut">
               <a:rPr lang="en-US" dirty="0"/>
               <a:pPr/>
-              <a:t>2/16/2023</a:t>
+              <a:t>2/17/2023</a:t>
             </a:fld>
             <a:endParaRPr lang="en-US" dirty="0"/>
           </a:p>
@@ -5071,7 +5071,7 @@
             <a:fld id="{B61BEF0D-F0BB-DE4B-95CE-6DB70DBA9567}" type="datetimeFigureOut">
               <a:rPr lang="en-US" dirty="0"/>
               <a:pPr/>
-              <a:t>2/16/2023</a:t>
+              <a:t>2/17/2023</a:t>
             </a:fld>
             <a:endParaRPr lang="en-US" dirty="0"/>
           </a:p>
@@ -5376,7 +5376,7 @@
             <a:fld id="{B61BEF0D-F0BB-DE4B-95CE-6DB70DBA9567}" type="datetimeFigureOut">
               <a:rPr lang="en-US" dirty="0"/>
               <a:pPr/>
-              <a:t>2/16/2023</a:t>
+              <a:t>2/17/2023</a:t>
             </a:fld>
             <a:endParaRPr lang="en-US" dirty="0"/>
           </a:p>
@@ -5702,7 +5702,7 @@
             <a:fld id="{B61BEF0D-F0BB-DE4B-95CE-6DB70DBA9567}" type="datetimeFigureOut">
               <a:rPr lang="en-US" dirty="0"/>
               <a:pPr/>
-              <a:t>2/16/2023</a:t>
+              <a:t>2/17/2023</a:t>
             </a:fld>
             <a:endParaRPr lang="en-US" dirty="0"/>
           </a:p>
@@ -6022,7 +6022,7 @@
             <a:fld id="{B61BEF0D-F0BB-DE4B-95CE-6DB70DBA9567}" type="datetimeFigureOut">
               <a:rPr lang="en-US" dirty="0"/>
               <a:pPr/>
-              <a:t>2/16/2023</a:t>
+              <a:t>2/17/2023</a:t>
             </a:fld>
             <a:endParaRPr lang="en-US" dirty="0"/>
           </a:p>
@@ -6476,7 +6476,7 @@
             <a:fld id="{B61BEF0D-F0BB-DE4B-95CE-6DB70DBA9567}" type="datetimeFigureOut">
               <a:rPr lang="en-US" dirty="0"/>
               <a:pPr/>
-              <a:t>2/16/2023</a:t>
+              <a:t>2/17/2023</a:t>
             </a:fld>
             <a:endParaRPr lang="en-US" dirty="0"/>
           </a:p>
@@ -6678,7 +6678,7 @@
             <a:fld id="{B61BEF0D-F0BB-DE4B-95CE-6DB70DBA9567}" type="datetimeFigureOut">
               <a:rPr lang="en-US" dirty="0"/>
               <a:pPr/>
-              <a:t>2/16/2023</a:t>
+              <a:t>2/17/2023</a:t>
             </a:fld>
             <a:endParaRPr lang="en-US" dirty="0"/>
           </a:p>
@@ -6852,7 +6852,7 @@
             <a:fld id="{B61BEF0D-F0BB-DE4B-95CE-6DB70DBA9567}" type="datetimeFigureOut">
               <a:rPr lang="en-US" dirty="0"/>
               <a:pPr/>
-              <a:t>2/16/2023</a:t>
+              <a:t>2/17/2023</a:t>
             </a:fld>
             <a:endParaRPr lang="en-US" dirty="0"/>
           </a:p>
@@ -7182,7 +7182,7 @@
             <a:fld id="{B61BEF0D-F0BB-DE4B-95CE-6DB70DBA9567}" type="datetimeFigureOut">
               <a:rPr lang="en-US" dirty="0"/>
               <a:pPr/>
-              <a:t>2/16/2023</a:t>
+              <a:t>2/17/2023</a:t>
             </a:fld>
             <a:endParaRPr lang="en-US" dirty="0"/>
           </a:p>
@@ -7524,7 +7524,7 @@
             <a:fld id="{B61BEF0D-F0BB-DE4B-95CE-6DB70DBA9567}" type="datetimeFigureOut">
               <a:rPr lang="en-US" dirty="0"/>
               <a:pPr/>
-              <a:t>2/16/2023</a:t>
+              <a:t>2/17/2023</a:t>
             </a:fld>
             <a:endParaRPr lang="en-US" dirty="0"/>
           </a:p>
@@ -9638,7 +9638,7 @@
             <a:fld id="{B61BEF0D-F0BB-DE4B-95CE-6DB70DBA9567}" type="datetimeFigureOut">
               <a:rPr lang="en-US" dirty="0"/>
               <a:pPr/>
-              <a:t>2/16/2023</a:t>
+              <a:t>2/17/2023</a:t>
             </a:fld>
             <a:endParaRPr lang="en-US" dirty="0"/>
           </a:p>
@@ -17204,12 +17204,16 @@
               <a:t>.</a:t>
             </a:r>
             <a:r>
-              <a:rPr lang="en-US" altLang="ko-KR" sz="2400" dirty="0" err="1"/>
+              <a:rPr lang="en-US" altLang="ko-KR" sz="2400" dirty="0" err="1" smtClean="0"/>
               <a:t>m_box</a:t>
             </a:r>
             <a:r>
-              <a:rPr lang="en-US" altLang="ko-KR" sz="2400" dirty="0"/>
-              <a:t> .</a:t>
+              <a:rPr lang="en-US" altLang="ko-KR" sz="2400" smtClean="0"/>
+              <a:t>, </a:t>
+            </a:r>
+            <a:r>
+              <a:rPr lang="en-US" altLang="ko-KR" sz="2400" dirty="0"/>
+              <a:t>.</a:t>
             </a:r>
             <a:r>
               <a:rPr lang="en-US" altLang="ko-KR" sz="2400" dirty="0" err="1"/>
